--- a/03.包装对象和数据类型转换/03.包装对象和数据类型转换.pptx
+++ b/03.包装对象和数据类型转换/03.包装对象和数据类型转换.pptx
@@ -5947,7 +5947,7 @@
                 </a:solidFill>
                 <a:cs typeface="+mn-ea"/>
               </a:rPr>
-              <a:t> 在 JavaScript 中，truthy（真值）指的是在布尔值上下文中，转换后的值为真的值。所有值都是真值，除非它们被定义为假值（即除 false、0、""、null、undefined 和 NaN 以外皆为真值）。</a:t>
+              <a:t> 在 JavaScript 中，真值指的是在强制转换布尔值时，转换后的值为真的值。所有值都是真值，除非它们被定义为假值（即除 false、0、""、null、undefined 和 NaN 以外皆为真值）。</a:t>
             </a:r>
             <a:endParaRPr lang="en-US" altLang="zh-CN">
               <a:solidFill>
@@ -6074,6 +6074,250 @@
     <a:masterClrMapping/>
   </p:clrMapOvr>
   <p:transition/>
+  <p:timing>
+    <p:tnLst>
+      <p:par>
+        <p:cTn id="1" dur="indefinite" restart="never" nodeType="tmRoot">
+          <p:childTnLst>
+            <p:seq concurrent="1" nextAc="seek">
+              <p:cTn id="2" dur="indefinite" nodeType="mainSeq">
+                <p:childTnLst>
+                  <p:par>
+                    <p:cTn id="3" fill="hold">
+                      <p:stCondLst>
+                        <p:cond delay="indefinite"/>
+                      </p:stCondLst>
+                      <p:childTnLst>
+                        <p:par>
+                          <p:cTn id="4" fill="hold">
+                            <p:stCondLst>
+                              <p:cond delay="0"/>
+                            </p:stCondLst>
+                            <p:childTnLst>
+                              <p:par>
+                                <p:cTn id="5" presetID="10" presetClass="entr" presetSubtype="0" fill="hold" nodeType="clickEffect">
+                                  <p:stCondLst>
+                                    <p:cond delay="0"/>
+                                  </p:stCondLst>
+                                  <p:childTnLst>
+                                    <p:set>
+                                      <p:cBhvr>
+                                        <p:cTn id="6" dur="1" fill="hold">
+                                          <p:stCondLst>
+                                            <p:cond delay="0"/>
+                                          </p:stCondLst>
+                                        </p:cTn>
+                                        <p:tgtEl>
+                                          <p:spTgt spid="2">
+                                            <p:txEl>
+                                              <p:pRg st="2" end="2"/>
+                                            </p:txEl>
+                                          </p:spTgt>
+                                        </p:tgtEl>
+                                        <p:attrNameLst>
+                                          <p:attrName>style.visibility</p:attrName>
+                                        </p:attrNameLst>
+                                      </p:cBhvr>
+                                      <p:to>
+                                        <p:strVal val="visible"/>
+                                      </p:to>
+                                    </p:set>
+                                    <p:animEffect transition="in" filter="fade">
+                                      <p:cBhvr>
+                                        <p:cTn id="7" dur="500"/>
+                                        <p:tgtEl>
+                                          <p:spTgt spid="2">
+                                            <p:txEl>
+                                              <p:pRg st="2" end="2"/>
+                                            </p:txEl>
+                                          </p:spTgt>
+                                        </p:tgtEl>
+                                      </p:cBhvr>
+                                    </p:animEffect>
+                                  </p:childTnLst>
+                                </p:cTn>
+                              </p:par>
+                            </p:childTnLst>
+                          </p:cTn>
+                        </p:par>
+                      </p:childTnLst>
+                    </p:cTn>
+                  </p:par>
+                  <p:par>
+                    <p:cTn id="8" fill="hold">
+                      <p:stCondLst>
+                        <p:cond delay="indefinite"/>
+                      </p:stCondLst>
+                      <p:childTnLst>
+                        <p:par>
+                          <p:cTn id="9" fill="hold">
+                            <p:stCondLst>
+                              <p:cond delay="0"/>
+                            </p:stCondLst>
+                            <p:childTnLst>
+                              <p:par>
+                                <p:cTn id="10" presetID="10" presetClass="entr" presetSubtype="0" fill="hold" nodeType="clickEffect">
+                                  <p:stCondLst>
+                                    <p:cond delay="0"/>
+                                  </p:stCondLst>
+                                  <p:childTnLst>
+                                    <p:set>
+                                      <p:cBhvr>
+                                        <p:cTn id="11" dur="1" fill="hold">
+                                          <p:stCondLst>
+                                            <p:cond delay="0"/>
+                                          </p:stCondLst>
+                                        </p:cTn>
+                                        <p:tgtEl>
+                                          <p:spTgt spid="2">
+                                            <p:txEl>
+                                              <p:pRg st="3" end="3"/>
+                                            </p:txEl>
+                                          </p:spTgt>
+                                        </p:tgtEl>
+                                        <p:attrNameLst>
+                                          <p:attrName>style.visibility</p:attrName>
+                                        </p:attrNameLst>
+                                      </p:cBhvr>
+                                      <p:to>
+                                        <p:strVal val="visible"/>
+                                      </p:to>
+                                    </p:set>
+                                    <p:animEffect transition="in" filter="fade">
+                                      <p:cBhvr>
+                                        <p:cTn id="12" dur="500"/>
+                                        <p:tgtEl>
+                                          <p:spTgt spid="2">
+                                            <p:txEl>
+                                              <p:pRg st="3" end="3"/>
+                                            </p:txEl>
+                                          </p:spTgt>
+                                        </p:tgtEl>
+                                      </p:cBhvr>
+                                    </p:animEffect>
+                                  </p:childTnLst>
+                                </p:cTn>
+                              </p:par>
+                            </p:childTnLst>
+                          </p:cTn>
+                        </p:par>
+                      </p:childTnLst>
+                    </p:cTn>
+                  </p:par>
+                  <p:par>
+                    <p:cTn id="13" fill="hold">
+                      <p:stCondLst>
+                        <p:cond delay="indefinite"/>
+                      </p:stCondLst>
+                      <p:childTnLst>
+                        <p:par>
+                          <p:cTn id="14" fill="hold">
+                            <p:stCondLst>
+                              <p:cond delay="0"/>
+                            </p:stCondLst>
+                            <p:childTnLst>
+                              <p:par>
+                                <p:cTn id="15" presetID="10" presetClass="entr" presetSubtype="0" fill="hold" grpId="0" nodeType="clickEffect">
+                                  <p:stCondLst>
+                                    <p:cond delay="0"/>
+                                  </p:stCondLst>
+                                  <p:childTnLst>
+                                    <p:set>
+                                      <p:cBhvr>
+                                        <p:cTn id="16" dur="1" fill="hold">
+                                          <p:stCondLst>
+                                            <p:cond delay="0"/>
+                                          </p:stCondLst>
+                                        </p:cTn>
+                                        <p:tgtEl>
+                                          <p:spTgt spid="4"/>
+                                        </p:tgtEl>
+                                        <p:attrNameLst>
+                                          <p:attrName>style.visibility</p:attrName>
+                                        </p:attrNameLst>
+                                      </p:cBhvr>
+                                      <p:to>
+                                        <p:strVal val="visible"/>
+                                      </p:to>
+                                    </p:set>
+                                    <p:animEffect transition="in" filter="fade">
+                                      <p:cBhvr>
+                                        <p:cTn id="17" dur="500"/>
+                                        <p:tgtEl>
+                                          <p:spTgt spid="4"/>
+                                        </p:tgtEl>
+                                      </p:cBhvr>
+                                    </p:animEffect>
+                                  </p:childTnLst>
+                                </p:cTn>
+                              </p:par>
+                              <p:par>
+                                <p:cTn id="18" presetID="10" presetClass="entr" presetSubtype="0" fill="hold" grpId="0" nodeType="withEffect">
+                                  <p:stCondLst>
+                                    <p:cond delay="0"/>
+                                  </p:stCondLst>
+                                  <p:childTnLst>
+                                    <p:set>
+                                      <p:cBhvr>
+                                        <p:cTn id="19" dur="1" fill="hold">
+                                          <p:stCondLst>
+                                            <p:cond delay="0"/>
+                                          </p:stCondLst>
+                                        </p:cTn>
+                                        <p:tgtEl>
+                                          <p:spTgt spid="5"/>
+                                        </p:tgtEl>
+                                        <p:attrNameLst>
+                                          <p:attrName>style.visibility</p:attrName>
+                                        </p:attrNameLst>
+                                      </p:cBhvr>
+                                      <p:to>
+                                        <p:strVal val="visible"/>
+                                      </p:to>
+                                    </p:set>
+                                    <p:animEffect transition="in" filter="fade">
+                                      <p:cBhvr>
+                                        <p:cTn id="20" dur="500"/>
+                                        <p:tgtEl>
+                                          <p:spTgt spid="5"/>
+                                        </p:tgtEl>
+                                      </p:cBhvr>
+                                    </p:animEffect>
+                                  </p:childTnLst>
+                                </p:cTn>
+                              </p:par>
+                            </p:childTnLst>
+                          </p:cTn>
+                        </p:par>
+                      </p:childTnLst>
+                    </p:cTn>
+                  </p:par>
+                </p:childTnLst>
+              </p:cTn>
+              <p:prevCondLst>
+                <p:cond evt="onPrev" delay="0">
+                  <p:tgtEl>
+                    <p:sldTgt/>
+                  </p:tgtEl>
+                </p:cond>
+              </p:prevCondLst>
+              <p:nextCondLst>
+                <p:cond evt="onNext" delay="0">
+                  <p:tgtEl>
+                    <p:sldTgt/>
+                  </p:tgtEl>
+                </p:cond>
+              </p:nextCondLst>
+            </p:seq>
+          </p:childTnLst>
+        </p:cTn>
+      </p:par>
+    </p:tnLst>
+    <p:bldLst>
+      <p:bldP spid="4" grpId="0"/>
+      <p:bldP spid="5" grpId="0"/>
+    </p:bldLst>
+  </p:timing>
 </p:sld>
 </file>
 
@@ -6483,6 +6727,97 @@
     <a:masterClrMapping/>
   </p:clrMapOvr>
   <p:transition/>
+  <p:timing>
+    <p:tnLst>
+      <p:par>
+        <p:cTn id="1" dur="indefinite" restart="never" nodeType="tmRoot">
+          <p:childTnLst>
+            <p:seq concurrent="1" nextAc="seek">
+              <p:cTn id="2" dur="indefinite" nodeType="mainSeq">
+                <p:childTnLst>
+                  <p:par>
+                    <p:cTn id="3" fill="hold">
+                      <p:stCondLst>
+                        <p:cond delay="indefinite"/>
+                      </p:stCondLst>
+                      <p:childTnLst>
+                        <p:par>
+                          <p:cTn id="4" fill="hold">
+                            <p:stCondLst>
+                              <p:cond delay="0"/>
+                            </p:stCondLst>
+                            <p:childTnLst>
+                              <p:par>
+                                <p:cTn id="5" presetID="10" presetClass="entr" presetSubtype="0" fill="hold" nodeType="clickEffect">
+                                  <p:stCondLst>
+                                    <p:cond delay="0"/>
+                                  </p:stCondLst>
+                                  <p:childTnLst>
+                                    <p:set>
+                                      <p:cBhvr>
+                                        <p:cTn id="6" dur="1" fill="hold">
+                                          <p:stCondLst>
+                                            <p:cond delay="0"/>
+                                          </p:stCondLst>
+                                        </p:cTn>
+                                        <p:tgtEl>
+                                          <p:spTgt spid="2">
+                                            <p:txEl>
+                                              <p:pRg st="1" end="1"/>
+                                            </p:txEl>
+                                          </p:spTgt>
+                                        </p:tgtEl>
+                                        <p:attrNameLst>
+                                          <p:attrName>style.visibility</p:attrName>
+                                        </p:attrNameLst>
+                                      </p:cBhvr>
+                                      <p:to>
+                                        <p:strVal val="visible"/>
+                                      </p:to>
+                                    </p:set>
+                                    <p:animEffect transition="in" filter="fade">
+                                      <p:cBhvr>
+                                        <p:cTn id="7" dur="500"/>
+                                        <p:tgtEl>
+                                          <p:spTgt spid="2">
+                                            <p:txEl>
+                                              <p:pRg st="1" end="1"/>
+                                            </p:txEl>
+                                          </p:spTgt>
+                                        </p:tgtEl>
+                                      </p:cBhvr>
+                                    </p:animEffect>
+                                  </p:childTnLst>
+                                </p:cTn>
+                              </p:par>
+                            </p:childTnLst>
+                          </p:cTn>
+                        </p:par>
+                      </p:childTnLst>
+                    </p:cTn>
+                  </p:par>
+                </p:childTnLst>
+              </p:cTn>
+              <p:prevCondLst>
+                <p:cond evt="onPrev" delay="0">
+                  <p:tgtEl>
+                    <p:sldTgt/>
+                  </p:tgtEl>
+                </p:cond>
+              </p:prevCondLst>
+              <p:nextCondLst>
+                <p:cond evt="onNext" delay="0">
+                  <p:tgtEl>
+                    <p:sldTgt/>
+                  </p:tgtEl>
+                </p:cond>
+              </p:nextCondLst>
+            </p:seq>
+          </p:childTnLst>
+        </p:cTn>
+      </p:par>
+    </p:tnLst>
+  </p:timing>
 </p:sld>
 </file>
 
@@ -6843,6 +7178,398 @@
     <a:masterClrMapping/>
   </p:clrMapOvr>
   <p:transition/>
+  <p:timing>
+    <p:tnLst>
+      <p:par>
+        <p:cTn id="1" dur="indefinite" restart="never" nodeType="tmRoot">
+          <p:childTnLst>
+            <p:seq concurrent="1" nextAc="seek">
+              <p:cTn id="2" dur="indefinite" nodeType="mainSeq">
+                <p:childTnLst>
+                  <p:par>
+                    <p:cTn id="3" fill="hold">
+                      <p:stCondLst>
+                        <p:cond delay="indefinite"/>
+                      </p:stCondLst>
+                      <p:childTnLst>
+                        <p:par>
+                          <p:cTn id="4" fill="hold">
+                            <p:stCondLst>
+                              <p:cond delay="0"/>
+                            </p:stCondLst>
+                            <p:childTnLst>
+                              <p:par>
+                                <p:cTn id="5" presetID="10" presetClass="entr" presetSubtype="0" fill="hold" nodeType="clickEffect">
+                                  <p:stCondLst>
+                                    <p:cond delay="0"/>
+                                  </p:stCondLst>
+                                  <p:childTnLst>
+                                    <p:set>
+                                      <p:cBhvr>
+                                        <p:cTn id="6" dur="1" fill="hold">
+                                          <p:stCondLst>
+                                            <p:cond delay="0"/>
+                                          </p:stCondLst>
+                                        </p:cTn>
+                                        <p:tgtEl>
+                                          <p:spTgt spid="2">
+                                            <p:txEl>
+                                              <p:pRg st="1" end="1"/>
+                                            </p:txEl>
+                                          </p:spTgt>
+                                        </p:tgtEl>
+                                        <p:attrNameLst>
+                                          <p:attrName>style.visibility</p:attrName>
+                                        </p:attrNameLst>
+                                      </p:cBhvr>
+                                      <p:to>
+                                        <p:strVal val="visible"/>
+                                      </p:to>
+                                    </p:set>
+                                    <p:animEffect transition="in" filter="fade">
+                                      <p:cBhvr>
+                                        <p:cTn id="7" dur="500"/>
+                                        <p:tgtEl>
+                                          <p:spTgt spid="2">
+                                            <p:txEl>
+                                              <p:pRg st="1" end="1"/>
+                                            </p:txEl>
+                                          </p:spTgt>
+                                        </p:tgtEl>
+                                      </p:cBhvr>
+                                    </p:animEffect>
+                                  </p:childTnLst>
+                                </p:cTn>
+                              </p:par>
+                              <p:par>
+                                <p:cTn id="8" presetID="10" presetClass="entr" presetSubtype="0" fill="hold" nodeType="withEffect">
+                                  <p:stCondLst>
+                                    <p:cond delay="0"/>
+                                  </p:stCondLst>
+                                  <p:childTnLst>
+                                    <p:set>
+                                      <p:cBhvr>
+                                        <p:cTn id="9" dur="1" fill="hold">
+                                          <p:stCondLst>
+                                            <p:cond delay="0"/>
+                                          </p:stCondLst>
+                                        </p:cTn>
+                                        <p:tgtEl>
+                                          <p:spTgt spid="2">
+                                            <p:txEl>
+                                              <p:pRg st="2" end="2"/>
+                                            </p:txEl>
+                                          </p:spTgt>
+                                        </p:tgtEl>
+                                        <p:attrNameLst>
+                                          <p:attrName>style.visibility</p:attrName>
+                                        </p:attrNameLst>
+                                      </p:cBhvr>
+                                      <p:to>
+                                        <p:strVal val="visible"/>
+                                      </p:to>
+                                    </p:set>
+                                    <p:animEffect transition="in" filter="fade">
+                                      <p:cBhvr>
+                                        <p:cTn id="10" dur="500"/>
+                                        <p:tgtEl>
+                                          <p:spTgt spid="2">
+                                            <p:txEl>
+                                              <p:pRg st="2" end="2"/>
+                                            </p:txEl>
+                                          </p:spTgt>
+                                        </p:tgtEl>
+                                      </p:cBhvr>
+                                    </p:animEffect>
+                                  </p:childTnLst>
+                                </p:cTn>
+                              </p:par>
+                              <p:par>
+                                <p:cTn id="11" presetID="10" presetClass="entr" presetSubtype="0" fill="hold" nodeType="withEffect">
+                                  <p:stCondLst>
+                                    <p:cond delay="0"/>
+                                  </p:stCondLst>
+                                  <p:childTnLst>
+                                    <p:set>
+                                      <p:cBhvr>
+                                        <p:cTn id="12" dur="1" fill="hold">
+                                          <p:stCondLst>
+                                            <p:cond delay="0"/>
+                                          </p:stCondLst>
+                                        </p:cTn>
+                                        <p:tgtEl>
+                                          <p:spTgt spid="2">
+                                            <p:txEl>
+                                              <p:pRg st="3" end="3"/>
+                                            </p:txEl>
+                                          </p:spTgt>
+                                        </p:tgtEl>
+                                        <p:attrNameLst>
+                                          <p:attrName>style.visibility</p:attrName>
+                                        </p:attrNameLst>
+                                      </p:cBhvr>
+                                      <p:to>
+                                        <p:strVal val="visible"/>
+                                      </p:to>
+                                    </p:set>
+                                    <p:animEffect transition="in" filter="fade">
+                                      <p:cBhvr>
+                                        <p:cTn id="13" dur="500"/>
+                                        <p:tgtEl>
+                                          <p:spTgt spid="2">
+                                            <p:txEl>
+                                              <p:pRg st="3" end="3"/>
+                                            </p:txEl>
+                                          </p:spTgt>
+                                        </p:tgtEl>
+                                      </p:cBhvr>
+                                    </p:animEffect>
+                                  </p:childTnLst>
+                                </p:cTn>
+                              </p:par>
+                              <p:par>
+                                <p:cTn id="14" presetID="10" presetClass="entr" presetSubtype="0" fill="hold" nodeType="withEffect">
+                                  <p:stCondLst>
+                                    <p:cond delay="0"/>
+                                  </p:stCondLst>
+                                  <p:childTnLst>
+                                    <p:set>
+                                      <p:cBhvr>
+                                        <p:cTn id="15" dur="1" fill="hold">
+                                          <p:stCondLst>
+                                            <p:cond delay="0"/>
+                                          </p:stCondLst>
+                                        </p:cTn>
+                                        <p:tgtEl>
+                                          <p:spTgt spid="2">
+                                            <p:txEl>
+                                              <p:pRg st="4" end="4"/>
+                                            </p:txEl>
+                                          </p:spTgt>
+                                        </p:tgtEl>
+                                        <p:attrNameLst>
+                                          <p:attrName>style.visibility</p:attrName>
+                                        </p:attrNameLst>
+                                      </p:cBhvr>
+                                      <p:to>
+                                        <p:strVal val="visible"/>
+                                      </p:to>
+                                    </p:set>
+                                    <p:animEffect transition="in" filter="fade">
+                                      <p:cBhvr>
+                                        <p:cTn id="16" dur="500"/>
+                                        <p:tgtEl>
+                                          <p:spTgt spid="2">
+                                            <p:txEl>
+                                              <p:pRg st="4" end="4"/>
+                                            </p:txEl>
+                                          </p:spTgt>
+                                        </p:tgtEl>
+                                      </p:cBhvr>
+                                    </p:animEffect>
+                                  </p:childTnLst>
+                                </p:cTn>
+                              </p:par>
+                              <p:par>
+                                <p:cTn id="17" presetID="10" presetClass="entr" presetSubtype="0" fill="hold" nodeType="withEffect">
+                                  <p:stCondLst>
+                                    <p:cond delay="0"/>
+                                  </p:stCondLst>
+                                  <p:childTnLst>
+                                    <p:set>
+                                      <p:cBhvr>
+                                        <p:cTn id="18" dur="1" fill="hold">
+                                          <p:stCondLst>
+                                            <p:cond delay="0"/>
+                                          </p:stCondLst>
+                                        </p:cTn>
+                                        <p:tgtEl>
+                                          <p:spTgt spid="2">
+                                            <p:txEl>
+                                              <p:pRg st="5" end="5"/>
+                                            </p:txEl>
+                                          </p:spTgt>
+                                        </p:tgtEl>
+                                        <p:attrNameLst>
+                                          <p:attrName>style.visibility</p:attrName>
+                                        </p:attrNameLst>
+                                      </p:cBhvr>
+                                      <p:to>
+                                        <p:strVal val="visible"/>
+                                      </p:to>
+                                    </p:set>
+                                    <p:animEffect transition="in" filter="fade">
+                                      <p:cBhvr>
+                                        <p:cTn id="19" dur="500"/>
+                                        <p:tgtEl>
+                                          <p:spTgt spid="2">
+                                            <p:txEl>
+                                              <p:pRg st="5" end="5"/>
+                                            </p:txEl>
+                                          </p:spTgt>
+                                        </p:tgtEl>
+                                      </p:cBhvr>
+                                    </p:animEffect>
+                                  </p:childTnLst>
+                                </p:cTn>
+                              </p:par>
+                              <p:par>
+                                <p:cTn id="20" presetID="10" presetClass="entr" presetSubtype="0" fill="hold" nodeType="withEffect">
+                                  <p:stCondLst>
+                                    <p:cond delay="0"/>
+                                  </p:stCondLst>
+                                  <p:childTnLst>
+                                    <p:set>
+                                      <p:cBhvr>
+                                        <p:cTn id="21" dur="1" fill="hold">
+                                          <p:stCondLst>
+                                            <p:cond delay="0"/>
+                                          </p:stCondLst>
+                                        </p:cTn>
+                                        <p:tgtEl>
+                                          <p:spTgt spid="2">
+                                            <p:txEl>
+                                              <p:pRg st="6" end="6"/>
+                                            </p:txEl>
+                                          </p:spTgt>
+                                        </p:tgtEl>
+                                        <p:attrNameLst>
+                                          <p:attrName>style.visibility</p:attrName>
+                                        </p:attrNameLst>
+                                      </p:cBhvr>
+                                      <p:to>
+                                        <p:strVal val="visible"/>
+                                      </p:to>
+                                    </p:set>
+                                    <p:animEffect transition="in" filter="fade">
+                                      <p:cBhvr>
+                                        <p:cTn id="22" dur="500"/>
+                                        <p:tgtEl>
+                                          <p:spTgt spid="2">
+                                            <p:txEl>
+                                              <p:pRg st="6" end="6"/>
+                                            </p:txEl>
+                                          </p:spTgt>
+                                        </p:tgtEl>
+                                      </p:cBhvr>
+                                    </p:animEffect>
+                                  </p:childTnLst>
+                                </p:cTn>
+                              </p:par>
+                              <p:par>
+                                <p:cTn id="23" presetID="10" presetClass="entr" presetSubtype="0" fill="hold" nodeType="withEffect">
+                                  <p:stCondLst>
+                                    <p:cond delay="0"/>
+                                  </p:stCondLst>
+                                  <p:childTnLst>
+                                    <p:set>
+                                      <p:cBhvr>
+                                        <p:cTn id="24" dur="1" fill="hold">
+                                          <p:stCondLst>
+                                            <p:cond delay="0"/>
+                                          </p:stCondLst>
+                                        </p:cTn>
+                                        <p:tgtEl>
+                                          <p:spTgt spid="2">
+                                            <p:txEl>
+                                              <p:pRg st="7" end="7"/>
+                                            </p:txEl>
+                                          </p:spTgt>
+                                        </p:tgtEl>
+                                        <p:attrNameLst>
+                                          <p:attrName>style.visibility</p:attrName>
+                                        </p:attrNameLst>
+                                      </p:cBhvr>
+                                      <p:to>
+                                        <p:strVal val="visible"/>
+                                      </p:to>
+                                    </p:set>
+                                    <p:animEffect transition="in" filter="fade">
+                                      <p:cBhvr>
+                                        <p:cTn id="25" dur="500"/>
+                                        <p:tgtEl>
+                                          <p:spTgt spid="2">
+                                            <p:txEl>
+                                              <p:pRg st="7" end="7"/>
+                                            </p:txEl>
+                                          </p:spTgt>
+                                        </p:tgtEl>
+                                      </p:cBhvr>
+                                    </p:animEffect>
+                                  </p:childTnLst>
+                                </p:cTn>
+                              </p:par>
+                              <p:par>
+                                <p:cTn id="26" presetID="10" presetClass="entr" presetSubtype="0" fill="hold" nodeType="withEffect">
+                                  <p:stCondLst>
+                                    <p:cond delay="0"/>
+                                  </p:stCondLst>
+                                  <p:childTnLst>
+                                    <p:set>
+                                      <p:cBhvr>
+                                        <p:cTn id="27" dur="1" fill="hold">
+                                          <p:stCondLst>
+                                            <p:cond delay="0"/>
+                                          </p:stCondLst>
+                                        </p:cTn>
+                                        <p:tgtEl>
+                                          <p:spTgt spid="2">
+                                            <p:txEl>
+                                              <p:pRg st="8" end="8"/>
+                                            </p:txEl>
+                                          </p:spTgt>
+                                        </p:tgtEl>
+                                        <p:attrNameLst>
+                                          <p:attrName>style.visibility</p:attrName>
+                                        </p:attrNameLst>
+                                      </p:cBhvr>
+                                      <p:to>
+                                        <p:strVal val="visible"/>
+                                      </p:to>
+                                    </p:set>
+                                    <p:animEffect transition="in" filter="fade">
+                                      <p:cBhvr>
+                                        <p:cTn id="28" dur="500"/>
+                                        <p:tgtEl>
+                                          <p:spTgt spid="2">
+                                            <p:txEl>
+                                              <p:pRg st="8" end="8"/>
+                                            </p:txEl>
+                                          </p:spTgt>
+                                        </p:tgtEl>
+                                      </p:cBhvr>
+                                    </p:animEffect>
+                                  </p:childTnLst>
+                                </p:cTn>
+                              </p:par>
+                            </p:childTnLst>
+                          </p:cTn>
+                        </p:par>
+                      </p:childTnLst>
+                    </p:cTn>
+                  </p:par>
+                </p:childTnLst>
+              </p:cTn>
+              <p:prevCondLst>
+                <p:cond evt="onPrev" delay="0">
+                  <p:tgtEl>
+                    <p:sldTgt/>
+                  </p:tgtEl>
+                </p:cond>
+              </p:prevCondLst>
+              <p:nextCondLst>
+                <p:cond evt="onNext" delay="0">
+                  <p:tgtEl>
+                    <p:sldTgt/>
+                  </p:tgtEl>
+                </p:cond>
+              </p:nextCondLst>
+            </p:seq>
+          </p:childTnLst>
+        </p:cTn>
+      </p:par>
+    </p:tnLst>
+  </p:timing>
 </p:sld>
 </file>
 
@@ -9705,7 +10432,7 @@
                   <a:schemeClr val="tx1"/>
                 </a:solidFill>
               </a:rPr>
-              <a:t>转换为空对象</a:t>
+              <a:t>转换为空对象 </a:t>
             </a:r>
             <a:r>
               <a:rPr lang="en-US" altLang="zh-CN">
